--- a/intro.pptx
+++ b/intro.pptx
@@ -4216,8 +4216,8 @@
         </p:nvSpPr>
         <p:spPr>
           <a:xfrm>
-            <a:off x="356354" y="2482858"/>
-            <a:ext cx="9144000" cy="923330"/>
+            <a:off x="356354" y="3412181"/>
+            <a:ext cx="9144000" cy="1200329"/>
           </a:xfrm>
           <a:prstGeom prst="rect">
             <a:avLst/>
@@ -4237,13 +4237,18 @@
               </a:rPr>
               <a:t>TRAIN-PREY-DEPLOY</a:t>
             </a:r>
-            <a:endParaRPr lang="en-GB" sz="5400" b="1" dirty="0">
-              <a:solidFill>
-                <a:srgbClr val="FE7676"/>
-              </a:solidFill>
-              <a:latin typeface="Roboto Mono" pitchFamily="49" charset="0"/>
-              <a:ea typeface="Roboto Mono" pitchFamily="49" charset="0"/>
-            </a:endParaRPr>
+          </a:p>
+          <a:p>
+            <a:r>
+              <a:rPr lang="en-GB" b="1" dirty="0">
+                <a:solidFill>
+                  <a:srgbClr val="FE7676"/>
+                </a:solidFill>
+                <a:latin typeface="Roboto Mono" pitchFamily="49" charset="0"/>
+                <a:ea typeface="Roboto Mono" pitchFamily="49" charset="0"/>
+              </a:rPr>
+              <a:t>The Journey of a ML model to the cradle to the online</a:t>
+            </a:r>
           </a:p>
         </p:txBody>
       </p:sp>
@@ -4305,7 +4310,7 @@
         </p:blipFill>
         <p:spPr>
           <a:xfrm>
-            <a:off x="2286000" y="922112"/>
+            <a:off x="0" y="-16819"/>
             <a:ext cx="12192000" cy="6858000"/>
           </a:xfrm>
           <a:prstGeom prst="rect">
